--- a/Diapositivas proyecto Poo.pptx
+++ b/Diapositivas proyecto Poo.pptx
@@ -6,18 +6,19 @@
   </p:sldMasterIdLst>
   <p:sldIdLst>
     <p:sldId id="256" r:id="rId2"/>
-    <p:sldId id="257" r:id="rId3"/>
-    <p:sldId id="258" r:id="rId4"/>
-    <p:sldId id="268" r:id="rId5"/>
-    <p:sldId id="259" r:id="rId6"/>
-    <p:sldId id="260" r:id="rId7"/>
-    <p:sldId id="266" r:id="rId8"/>
-    <p:sldId id="261" r:id="rId9"/>
-    <p:sldId id="269" r:id="rId10"/>
-    <p:sldId id="262" r:id="rId11"/>
-    <p:sldId id="263" r:id="rId12"/>
-    <p:sldId id="264" r:id="rId13"/>
-    <p:sldId id="265" r:id="rId14"/>
+    <p:sldId id="270" r:id="rId3"/>
+    <p:sldId id="257" r:id="rId4"/>
+    <p:sldId id="258" r:id="rId5"/>
+    <p:sldId id="268" r:id="rId6"/>
+    <p:sldId id="259" r:id="rId7"/>
+    <p:sldId id="260" r:id="rId8"/>
+    <p:sldId id="266" r:id="rId9"/>
+    <p:sldId id="261" r:id="rId10"/>
+    <p:sldId id="269" r:id="rId11"/>
+    <p:sldId id="262" r:id="rId12"/>
+    <p:sldId id="263" r:id="rId13"/>
+    <p:sldId id="264" r:id="rId14"/>
+    <p:sldId id="265" r:id="rId15"/>
   </p:sldIdLst>
   <p:sldSz cx="12192000" cy="6858000"/>
   <p:notesSz cx="6858000" cy="9144000"/>
@@ -116,6 +117,11 @@
       </a:defRPr>
     </a:lvl9pPr>
   </p:defaultTextStyle>
+  <p:extLst>
+    <p:ext uri="{EFAFB233-063F-42B5-8137-9DF3F51BA10A}">
+      <p15:sldGuideLst xmlns:p15="http://schemas.microsoft.com/office/powerpoint/2012/main"/>
+    </p:ext>
+  </p:extLst>
 </p:presentation>
 </file>
 
@@ -268,7 +274,7 @@
           <a:p>
             <a:fld id="{F0CC1690-FFEE-4F02-86C6-773A8D0CB663}" type="datetimeFigureOut">
               <a:rPr lang="es-CO" smtClean="0"/>
-              <a:t>15/06/2022</a:t>
+              <a:t>16/06/2022</a:t>
             </a:fld>
             <a:endParaRPr lang="es-CO"/>
           </a:p>
@@ -468,7 +474,7 @@
           <a:p>
             <a:fld id="{F0CC1690-FFEE-4F02-86C6-773A8D0CB663}" type="datetimeFigureOut">
               <a:rPr lang="es-CO" smtClean="0"/>
-              <a:t>15/06/2022</a:t>
+              <a:t>16/06/2022</a:t>
             </a:fld>
             <a:endParaRPr lang="es-CO"/>
           </a:p>
@@ -678,7 +684,7 @@
           <a:p>
             <a:fld id="{F0CC1690-FFEE-4F02-86C6-773A8D0CB663}" type="datetimeFigureOut">
               <a:rPr lang="es-CO" smtClean="0"/>
-              <a:t>15/06/2022</a:t>
+              <a:t>16/06/2022</a:t>
             </a:fld>
             <a:endParaRPr lang="es-CO"/>
           </a:p>
@@ -878,7 +884,7 @@
           <a:p>
             <a:fld id="{F0CC1690-FFEE-4F02-86C6-773A8D0CB663}" type="datetimeFigureOut">
               <a:rPr lang="es-CO" smtClean="0"/>
-              <a:t>15/06/2022</a:t>
+              <a:t>16/06/2022</a:t>
             </a:fld>
             <a:endParaRPr lang="es-CO"/>
           </a:p>
@@ -1154,7 +1160,7 @@
           <a:p>
             <a:fld id="{F0CC1690-FFEE-4F02-86C6-773A8D0CB663}" type="datetimeFigureOut">
               <a:rPr lang="es-CO" smtClean="0"/>
-              <a:t>15/06/2022</a:t>
+              <a:t>16/06/2022</a:t>
             </a:fld>
             <a:endParaRPr lang="es-CO"/>
           </a:p>
@@ -1422,7 +1428,7 @@
           <a:p>
             <a:fld id="{F0CC1690-FFEE-4F02-86C6-773A8D0CB663}" type="datetimeFigureOut">
               <a:rPr lang="es-CO" smtClean="0"/>
-              <a:t>15/06/2022</a:t>
+              <a:t>16/06/2022</a:t>
             </a:fld>
             <a:endParaRPr lang="es-CO"/>
           </a:p>
@@ -1837,7 +1843,7 @@
           <a:p>
             <a:fld id="{F0CC1690-FFEE-4F02-86C6-773A8D0CB663}" type="datetimeFigureOut">
               <a:rPr lang="es-CO" smtClean="0"/>
-              <a:t>15/06/2022</a:t>
+              <a:t>16/06/2022</a:t>
             </a:fld>
             <a:endParaRPr lang="es-CO"/>
           </a:p>
@@ -1979,7 +1985,7 @@
           <a:p>
             <a:fld id="{F0CC1690-FFEE-4F02-86C6-773A8D0CB663}" type="datetimeFigureOut">
               <a:rPr lang="es-CO" smtClean="0"/>
-              <a:t>15/06/2022</a:t>
+              <a:t>16/06/2022</a:t>
             </a:fld>
             <a:endParaRPr lang="es-CO"/>
           </a:p>
@@ -2092,7 +2098,7 @@
           <a:p>
             <a:fld id="{F0CC1690-FFEE-4F02-86C6-773A8D0CB663}" type="datetimeFigureOut">
               <a:rPr lang="es-CO" smtClean="0"/>
-              <a:t>15/06/2022</a:t>
+              <a:t>16/06/2022</a:t>
             </a:fld>
             <a:endParaRPr lang="es-CO"/>
           </a:p>
@@ -2405,7 +2411,7 @@
           <a:p>
             <a:fld id="{F0CC1690-FFEE-4F02-86C6-773A8D0CB663}" type="datetimeFigureOut">
               <a:rPr lang="es-CO" smtClean="0"/>
-              <a:t>15/06/2022</a:t>
+              <a:t>16/06/2022</a:t>
             </a:fld>
             <a:endParaRPr lang="es-CO"/>
           </a:p>
@@ -2694,7 +2700,7 @@
           <a:p>
             <a:fld id="{F0CC1690-FFEE-4F02-86C6-773A8D0CB663}" type="datetimeFigureOut">
               <a:rPr lang="es-CO" smtClean="0"/>
-              <a:t>15/06/2022</a:t>
+              <a:t>16/06/2022</a:t>
             </a:fld>
             <a:endParaRPr lang="es-CO"/>
           </a:p>
@@ -2937,7 +2943,7 @@
           <a:p>
             <a:fld id="{F0CC1690-FFEE-4F02-86C6-773A8D0CB663}" type="datetimeFigureOut">
               <a:rPr lang="es-CO" smtClean="0"/>
-              <a:t>15/06/2022</a:t>
+              <a:t>16/06/2022</a:t>
             </a:fld>
             <a:endParaRPr lang="es-CO"/>
           </a:p>
@@ -3559,6 +3565,111 @@
           <p:cNvPr id="2" name="Título 1">
             <a:extLst>
               <a:ext uri="{FF2B5EF4-FFF2-40B4-BE49-F238E27FC236}">
+                <a16:creationId xmlns:a16="http://schemas.microsoft.com/office/drawing/2014/main" id="{F394247F-BD43-F309-239B-4F93F072FDE9}"/>
+              </a:ext>
+            </a:extLst>
+          </p:cNvPr>
+          <p:cNvSpPr>
+            <a:spLocks noGrp="1"/>
+          </p:cNvSpPr>
+          <p:nvPr>
+            <p:ph type="title"/>
+          </p:nvPr>
+        </p:nvSpPr>
+        <p:spPr/>
+        <p:txBody>
+          <a:bodyPr/>
+          <a:lstStyle/>
+          <a:p>
+            <a:r>
+              <a:rPr lang="es-CO" dirty="0" err="1">
+                <a:latin typeface="Bahnschrift Light" panose="020B0502040204020203" pitchFamily="34" charset="0"/>
+              </a:rPr>
+              <a:t>Javadoc</a:t>
+            </a:r>
+            <a:r>
+              <a:rPr lang="es-CO" dirty="0">
+                <a:latin typeface="Bahnschrift Light" panose="020B0502040204020203" pitchFamily="34" charset="0"/>
+              </a:rPr>
+              <a:t> de </a:t>
+            </a:r>
+            <a:r>
+              <a:rPr lang="es-CO" dirty="0" err="1">
+                <a:latin typeface="Bahnschrift Light" panose="020B0502040204020203" pitchFamily="34" charset="0"/>
+              </a:rPr>
+              <a:t>Java.util.Random</a:t>
+            </a:r>
+            <a:endParaRPr lang="es-CO" dirty="0">
+              <a:latin typeface="Bahnschrift Light" panose="020B0502040204020203" pitchFamily="34" charset="0"/>
+            </a:endParaRPr>
+          </a:p>
+        </p:txBody>
+      </p:sp>
+      <p:pic>
+        <p:nvPicPr>
+          <p:cNvPr id="4" name="Imagen 3">
+            <a:extLst>
+              <a:ext uri="{FF2B5EF4-FFF2-40B4-BE49-F238E27FC236}">
+                <a16:creationId xmlns:a16="http://schemas.microsoft.com/office/drawing/2014/main" id="{A76777F9-4DD2-69DC-A03B-8A3ABD939C88}"/>
+              </a:ext>
+            </a:extLst>
+          </p:cNvPr>
+          <p:cNvPicPr>
+            <a:picLocks noChangeAspect="1"/>
+          </p:cNvPicPr>
+          <p:nvPr/>
+        </p:nvPicPr>
+        <p:blipFill>
+          <a:blip r:embed="rId2"/>
+          <a:stretch>
+            <a:fillRect/>
+          </a:stretch>
+        </p:blipFill>
+        <p:spPr>
+          <a:xfrm>
+            <a:off x="202809" y="1451307"/>
+            <a:ext cx="11541016" cy="4386785"/>
+          </a:xfrm>
+          <a:prstGeom prst="rect">
+            <a:avLst/>
+          </a:prstGeom>
+        </p:spPr>
+      </p:pic>
+    </p:spTree>
+    <p:extLst>
+      <p:ext uri="{BB962C8B-B14F-4D97-AF65-F5344CB8AC3E}">
+        <p14:creationId xmlns:p14="http://schemas.microsoft.com/office/powerpoint/2010/main" val="3322656692"/>
+      </p:ext>
+    </p:extLst>
+  </p:cSld>
+  <p:clrMapOvr>
+    <a:masterClrMapping/>
+  </p:clrMapOvr>
+</p:sld>
+</file>
+
+<file path=ppt/slides/slide11.xml><?xml version="1.0" encoding="utf-8"?>
+<p:sld xmlns:a="http://schemas.openxmlformats.org/drawingml/2006/main" xmlns:r="http://schemas.openxmlformats.org/officeDocument/2006/relationships" xmlns:p="http://schemas.openxmlformats.org/presentationml/2006/main">
+  <p:cSld>
+    <p:spTree>
+      <p:nvGrpSpPr>
+        <p:cNvPr id="1" name=""/>
+        <p:cNvGrpSpPr/>
+        <p:nvPr/>
+      </p:nvGrpSpPr>
+      <p:grpSpPr>
+        <a:xfrm>
+          <a:off x="0" y="0"/>
+          <a:ext cx="0" cy="0"/>
+          <a:chOff x="0" y="0"/>
+          <a:chExt cx="0" cy="0"/>
+        </a:xfrm>
+      </p:grpSpPr>
+      <p:sp>
+        <p:nvSpPr>
+          <p:cNvPr id="2" name="Título 1">
+            <a:extLst>
+              <a:ext uri="{FF2B5EF4-FFF2-40B4-BE49-F238E27FC236}">
                 <a16:creationId xmlns:a16="http://schemas.microsoft.com/office/drawing/2014/main" id="{B879407B-4462-B9C2-D08F-CF1EE7F604CB}"/>
               </a:ext>
             </a:extLst>
@@ -3630,7 +3741,7 @@
 </p:sld>
 </file>
 
-<file path=ppt/slides/slide11.xml><?xml version="1.0" encoding="utf-8"?>
+<file path=ppt/slides/slide12.xml><?xml version="1.0" encoding="utf-8"?>
 <p:sld xmlns:a="http://schemas.openxmlformats.org/drawingml/2006/main" xmlns:r="http://schemas.openxmlformats.org/officeDocument/2006/relationships" xmlns:p="http://schemas.openxmlformats.org/presentationml/2006/main">
   <p:cSld>
     <p:spTree>
@@ -3734,7 +3845,7 @@
 </p:sld>
 </file>
 
-<file path=ppt/slides/slide12.xml><?xml version="1.0" encoding="utf-8"?>
+<file path=ppt/slides/slide13.xml><?xml version="1.0" encoding="utf-8"?>
 <p:sld xmlns:a="http://schemas.openxmlformats.org/drawingml/2006/main" xmlns:r="http://schemas.openxmlformats.org/officeDocument/2006/relationships" xmlns:p="http://schemas.openxmlformats.org/presentationml/2006/main">
   <p:cSld>
     <p:spTree>
@@ -3835,7 +3946,7 @@
 </p:sld>
 </file>
 
-<file path=ppt/slides/slide13.xml><?xml version="1.0" encoding="utf-8"?>
+<file path=ppt/slides/slide14.xml><?xml version="1.0" encoding="utf-8"?>
 <p:sld xmlns:a="http://schemas.openxmlformats.org/drawingml/2006/main" xmlns:r="http://schemas.openxmlformats.org/officeDocument/2006/relationships" xmlns:p="http://schemas.openxmlformats.org/presentationml/2006/main">
   <p:cSld>
     <p:spTree>
@@ -3913,10 +4024,10 @@
       </p:grpSpPr>
       <p:sp>
         <p:nvSpPr>
-          <p:cNvPr id="7" name="Título 6">
-            <a:extLst>
-              <a:ext uri="{FF2B5EF4-FFF2-40B4-BE49-F238E27FC236}">
-                <a16:creationId xmlns:a16="http://schemas.microsoft.com/office/drawing/2014/main" id="{0A84FB1B-D9EE-4508-2033-EA03F772752C}"/>
+          <p:cNvPr id="2" name="Título 1">
+            <a:extLst>
+              <a:ext uri="{FF2B5EF4-FFF2-40B4-BE49-F238E27FC236}">
+                <a16:creationId xmlns:a16="http://schemas.microsoft.com/office/drawing/2014/main" id="{0B40DFA4-84AD-0470-C19C-696691AA1776}"/>
               </a:ext>
             </a:extLst>
           </p:cNvPr>
@@ -3929,64 +4040,157 @@
         </p:nvSpPr>
         <p:spPr>
           <a:xfrm>
-            <a:off x="838200" y="242040"/>
-            <a:ext cx="10515600" cy="679394"/>
+            <a:off x="1421641" y="457200"/>
+            <a:ext cx="3932237" cy="1600200"/>
           </a:xfrm>
         </p:spPr>
         <p:txBody>
-          <a:bodyPr>
-            <a:normAutofit fontScale="90000"/>
+          <a:bodyPr anchor="ctr">
+            <a:normAutofit/>
           </a:bodyPr>
           <a:lstStyle/>
           <a:p>
-            <a:r>
-              <a:rPr lang="es-CO" dirty="0">
+            <a:pPr algn="ctr"/>
+            <a:r>
+              <a:rPr lang="es-CO" sz="5400" dirty="0">
                 <a:latin typeface="Bahnschrift Light" panose="020B0502040204020203" pitchFamily="34" charset="0"/>
               </a:rPr>
-              <a:t>Estructura del proyecto (Diagramas)</a:t>
-            </a:r>
-          </a:p>
-        </p:txBody>
-      </p:sp>
-      <p:pic>
-        <p:nvPicPr>
-          <p:cNvPr id="9" name="Imagen 8">
-            <a:extLst>
-              <a:ext uri="{FF2B5EF4-FFF2-40B4-BE49-F238E27FC236}">
-                <a16:creationId xmlns:a16="http://schemas.microsoft.com/office/drawing/2014/main" id="{85102E86-7340-5109-983A-36462F37FFA7}"/>
-              </a:ext>
-            </a:extLst>
-          </p:cNvPr>
-          <p:cNvPicPr>
-            <a:picLocks noChangeAspect="1"/>
-          </p:cNvPicPr>
-          <p:nvPr/>
-        </p:nvPicPr>
-        <p:blipFill rotWithShape="1">
-          <a:blip r:embed="rId2">
-            <a:extLst>
-              <a:ext uri="{28A0092B-C50C-407E-A947-70E740481C1C}">
-                <a14:useLocalDpi xmlns:a14="http://schemas.microsoft.com/office/drawing/2010/main" val="0"/>
-              </a:ext>
-            </a:extLst>
-          </a:blip>
-          <a:srcRect t="2698" b="2142"/>
-          <a:stretch/>
-        </p:blipFill>
+              <a:t>Funciones</a:t>
+            </a:r>
+            <a:endParaRPr lang="es-CO" sz="4400" dirty="0">
+              <a:latin typeface="Bahnschrift Light" panose="020B0502040204020203" pitchFamily="34" charset="0"/>
+            </a:endParaRPr>
+          </a:p>
+        </p:txBody>
+      </p:sp>
+      <p:sp>
+        <p:nvSpPr>
+          <p:cNvPr id="4" name="Marcador de texto 3">
+            <a:extLst>
+              <a:ext uri="{FF2B5EF4-FFF2-40B4-BE49-F238E27FC236}">
+                <a16:creationId xmlns:a16="http://schemas.microsoft.com/office/drawing/2014/main" id="{C48FFA91-D392-A38B-84E7-CA4CDB6F0BA8}"/>
+              </a:ext>
+            </a:extLst>
+          </p:cNvPr>
+          <p:cNvSpPr>
+            <a:spLocks noGrp="1"/>
+          </p:cNvSpPr>
+          <p:nvPr>
+            <p:ph type="body" sz="half" idx="2"/>
+          </p:nvPr>
+        </p:nvSpPr>
         <p:spPr>
           <a:xfrm>
-            <a:off x="939800" y="921434"/>
-            <a:ext cx="8624544" cy="5936566"/>
+            <a:off x="428970" y="2100470"/>
+            <a:ext cx="3932237" cy="3811588"/>
+          </a:xfrm>
+        </p:spPr>
+        <p:txBody>
+          <a:bodyPr>
+            <a:normAutofit lnSpcReduction="10000"/>
+          </a:bodyPr>
+          <a:lstStyle/>
+          <a:p>
+            <a:r>
+              <a:rPr lang="es-CO" sz="2800" dirty="0">
+                <a:latin typeface="Bahnschrift Light" panose="020B0502040204020203" pitchFamily="34" charset="0"/>
+              </a:rPr>
+              <a:t>01: Registrar inmuebles, inquilinos, alquileres y demás clases.</a:t>
+            </a:r>
+          </a:p>
+          <a:p>
+            <a:endParaRPr lang="es-CO" sz="2800" dirty="0">
+              <a:latin typeface="Bahnschrift Light" panose="020B0502040204020203" pitchFamily="34" charset="0"/>
+            </a:endParaRPr>
+          </a:p>
+          <a:p>
+            <a:r>
+              <a:rPr lang="es-CO" sz="2800" dirty="0">
+                <a:latin typeface="Bahnschrift Light" panose="020B0502040204020203" pitchFamily="34" charset="0"/>
+              </a:rPr>
+              <a:t>02: Consultar los inmuebles de los inquilinos usando como filtro al dueño de estos inmuebles</a:t>
+            </a:r>
+          </a:p>
+        </p:txBody>
+      </p:sp>
+      <p:sp>
+        <p:nvSpPr>
+          <p:cNvPr id="5" name="CuadroTexto 4">
+            <a:extLst>
+              <a:ext uri="{FF2B5EF4-FFF2-40B4-BE49-F238E27FC236}">
+                <a16:creationId xmlns:a16="http://schemas.microsoft.com/office/drawing/2014/main" id="{A67F5990-27F3-37F1-3009-FA582F08C798}"/>
+              </a:ext>
+            </a:extLst>
+          </p:cNvPr>
+          <p:cNvSpPr txBox="1"/>
+          <p:nvPr/>
+        </p:nvSpPr>
+        <p:spPr>
+          <a:xfrm>
+            <a:off x="5353878" y="1257300"/>
+            <a:ext cx="6149009" cy="5693866"/>
           </a:xfrm>
           <a:prstGeom prst="rect">
             <a:avLst/>
           </a:prstGeom>
+          <a:noFill/>
         </p:spPr>
-      </p:pic>
+        <p:txBody>
+          <a:bodyPr wrap="square" rtlCol="0">
+            <a:spAutoFit/>
+          </a:bodyPr>
+          <a:lstStyle/>
+          <a:p>
+            <a:pPr algn="r"/>
+            <a:r>
+              <a:rPr lang="es-CO" sz="2800" dirty="0">
+                <a:latin typeface="Bahnschrift Light" panose="020B0502040204020203" pitchFamily="34" charset="0"/>
+              </a:rPr>
+              <a:t>03: Generar y pagar las facturas de los inmuebles haciendo uso de la cuenta bancaria del inquilino.</a:t>
+            </a:r>
+          </a:p>
+          <a:p>
+            <a:pPr algn="r"/>
+            <a:endParaRPr lang="es-CO" sz="2800" dirty="0">
+              <a:latin typeface="Bahnschrift Light" panose="020B0502040204020203" pitchFamily="34" charset="0"/>
+            </a:endParaRPr>
+          </a:p>
+          <a:p>
+            <a:pPr algn="r"/>
+            <a:endParaRPr lang="es-CO" sz="2800" dirty="0">
+              <a:latin typeface="Bahnschrift Light" panose="020B0502040204020203" pitchFamily="34" charset="0"/>
+            </a:endParaRPr>
+          </a:p>
+          <a:p>
+            <a:pPr algn="r"/>
+            <a:r>
+              <a:rPr lang="es-CO" sz="2800" dirty="0">
+                <a:latin typeface="Bahnschrift Light" panose="020B0502040204020203" pitchFamily="34" charset="0"/>
+              </a:rPr>
+              <a:t>04: Identificar los movimientos a la hora de realizar pagos y guardar historial del mismo en un vector.</a:t>
+            </a:r>
+          </a:p>
+          <a:p>
+            <a:pPr algn="r"/>
+            <a:endParaRPr lang="es-CO" sz="2800" dirty="0">
+              <a:latin typeface="Bahnschrift Light" panose="020B0502040204020203" pitchFamily="34" charset="0"/>
+            </a:endParaRPr>
+          </a:p>
+          <a:p>
+            <a:pPr algn="r"/>
+            <a:r>
+              <a:rPr lang="es-CO" sz="2800" dirty="0">
+                <a:latin typeface="Bahnschrift Light" panose="020B0502040204020203" pitchFamily="34" charset="0"/>
+              </a:rPr>
+              <a:t>05: Alquilar inmuebles siendo un inquilino registrado, pagando el precio de alquiler identificado del inmueble. </a:t>
+            </a:r>
+          </a:p>
+        </p:txBody>
+      </p:sp>
     </p:spTree>
     <p:extLst>
       <p:ext uri="{BB962C8B-B14F-4D97-AF65-F5344CB8AC3E}">
-        <p14:creationId xmlns:p14="http://schemas.microsoft.com/office/powerpoint/2010/main" val="1005048739"/>
+        <p14:creationId xmlns:p14="http://schemas.microsoft.com/office/powerpoint/2010/main" val="802922203"/>
       </p:ext>
     </p:extLst>
   </p:cSld>
@@ -4013,12 +4217,49 @@
           <a:chExt cx="0" cy="0"/>
         </a:xfrm>
       </p:grpSpPr>
+      <p:sp>
+        <p:nvSpPr>
+          <p:cNvPr id="7" name="Título 6">
+            <a:extLst>
+              <a:ext uri="{FF2B5EF4-FFF2-40B4-BE49-F238E27FC236}">
+                <a16:creationId xmlns:a16="http://schemas.microsoft.com/office/drawing/2014/main" id="{0A84FB1B-D9EE-4508-2033-EA03F772752C}"/>
+              </a:ext>
+            </a:extLst>
+          </p:cNvPr>
+          <p:cNvSpPr>
+            <a:spLocks noGrp="1"/>
+          </p:cNvSpPr>
+          <p:nvPr>
+            <p:ph type="title"/>
+          </p:nvPr>
+        </p:nvSpPr>
+        <p:spPr>
+          <a:xfrm>
+            <a:off x="838200" y="242040"/>
+            <a:ext cx="10515600" cy="679394"/>
+          </a:xfrm>
+        </p:spPr>
+        <p:txBody>
+          <a:bodyPr>
+            <a:normAutofit fontScale="90000"/>
+          </a:bodyPr>
+          <a:lstStyle/>
+          <a:p>
+            <a:r>
+              <a:rPr lang="es-CO" dirty="0">
+                <a:latin typeface="Bahnschrift Light" panose="020B0502040204020203" pitchFamily="34" charset="0"/>
+              </a:rPr>
+              <a:t>Estructura del proyecto (Diagramas)</a:t>
+            </a:r>
+          </a:p>
+        </p:txBody>
+      </p:sp>
       <p:pic>
         <p:nvPicPr>
-          <p:cNvPr id="4" name="Imagen 3">
-            <a:extLst>
-              <a:ext uri="{FF2B5EF4-FFF2-40B4-BE49-F238E27FC236}">
-                <a16:creationId xmlns:a16="http://schemas.microsoft.com/office/drawing/2014/main" id="{F55F70A1-4ACB-B904-5383-A4ACA2A1A052}"/>
+          <p:cNvPr id="9" name="Imagen 8">
+            <a:extLst>
+              <a:ext uri="{FF2B5EF4-FFF2-40B4-BE49-F238E27FC236}">
+                <a16:creationId xmlns:a16="http://schemas.microsoft.com/office/drawing/2014/main" id="{85102E86-7340-5109-983A-36462F37FFA7}"/>
               </a:ext>
             </a:extLst>
           </p:cNvPr>
@@ -4027,7 +4268,7 @@
           </p:cNvPicPr>
           <p:nvPr/>
         </p:nvPicPr>
-        <p:blipFill>
+        <p:blipFill rotWithShape="1">
           <a:blip r:embed="rId2">
             <a:extLst>
               <a:ext uri="{28A0092B-C50C-407E-A947-70E740481C1C}">
@@ -4035,73 +4276,23 @@
               </a:ext>
             </a:extLst>
           </a:blip>
-          <a:stretch>
-            <a:fillRect/>
-          </a:stretch>
+          <a:srcRect t="2698" b="2142"/>
+          <a:stretch/>
         </p:blipFill>
         <p:spPr>
           <a:xfrm>
-            <a:off x="1911560" y="1083212"/>
-            <a:ext cx="8368880" cy="5774788"/>
+            <a:off x="939800" y="921434"/>
+            <a:ext cx="8624544" cy="5936566"/>
           </a:xfrm>
           <a:prstGeom prst="rect">
             <a:avLst/>
           </a:prstGeom>
         </p:spPr>
       </p:pic>
-      <p:sp>
-        <p:nvSpPr>
-          <p:cNvPr id="5" name="Título 4">
-            <a:extLst>
-              <a:ext uri="{FF2B5EF4-FFF2-40B4-BE49-F238E27FC236}">
-                <a16:creationId xmlns:a16="http://schemas.microsoft.com/office/drawing/2014/main" id="{842668B6-0F9C-09D9-AF9A-8A86728B0DAB}"/>
-              </a:ext>
-            </a:extLst>
-          </p:cNvPr>
-          <p:cNvSpPr>
-            <a:spLocks noGrp="1"/>
-          </p:cNvSpPr>
-          <p:nvPr>
-            <p:ph type="title"/>
-          </p:nvPr>
-        </p:nvSpPr>
-        <p:spPr>
-          <a:xfrm>
-            <a:off x="838200" y="1"/>
-            <a:ext cx="10515600" cy="1083212"/>
-          </a:xfrm>
-        </p:spPr>
-        <p:txBody>
-          <a:bodyPr>
-            <a:normAutofit fontScale="90000"/>
-          </a:bodyPr>
-          <a:lstStyle/>
-          <a:p>
-            <a:r>
-              <a:rPr lang="es-CO" dirty="0">
-                <a:latin typeface="Bahnschrift Light" panose="020B0502040204020203" pitchFamily="34" charset="0"/>
-              </a:rPr>
-              <a:t>Diagrama </a:t>
-            </a:r>
-            <a:r>
-              <a:rPr lang="es-CO" dirty="0" err="1">
-                <a:latin typeface="Bahnschrift Light" panose="020B0502040204020203" pitchFamily="34" charset="0"/>
-              </a:rPr>
-              <a:t>Post-proyecto</a:t>
-            </a:r>
-            <a:r>
-              <a:rPr lang="es-CO" dirty="0">
-                <a:latin typeface="Bahnschrift Light" panose="020B0502040204020203" pitchFamily="34" charset="0"/>
-              </a:rPr>
-              <a:t> generado con Idea</a:t>
-            </a:r>
-          </a:p>
-        </p:txBody>
-      </p:sp>
     </p:spTree>
     <p:extLst>
       <p:ext uri="{BB962C8B-B14F-4D97-AF65-F5344CB8AC3E}">
-        <p14:creationId xmlns:p14="http://schemas.microsoft.com/office/powerpoint/2010/main" val="3628722989"/>
+        <p14:creationId xmlns:p14="http://schemas.microsoft.com/office/powerpoint/2010/main" val="1005048739"/>
       </p:ext>
     </p:extLst>
   </p:cSld>
@@ -4133,6 +4324,121 @@
           <p:cNvPr id="4" name="Imagen 3">
             <a:extLst>
               <a:ext uri="{FF2B5EF4-FFF2-40B4-BE49-F238E27FC236}">
+                <a16:creationId xmlns:a16="http://schemas.microsoft.com/office/drawing/2014/main" id="{F55F70A1-4ACB-B904-5383-A4ACA2A1A052}"/>
+              </a:ext>
+            </a:extLst>
+          </p:cNvPr>
+          <p:cNvPicPr>
+            <a:picLocks noChangeAspect="1"/>
+          </p:cNvPicPr>
+          <p:nvPr/>
+        </p:nvPicPr>
+        <p:blipFill>
+          <a:blip r:embed="rId2">
+            <a:extLst>
+              <a:ext uri="{28A0092B-C50C-407E-A947-70E740481C1C}">
+                <a14:useLocalDpi xmlns:a14="http://schemas.microsoft.com/office/drawing/2010/main" val="0"/>
+              </a:ext>
+            </a:extLst>
+          </a:blip>
+          <a:stretch>
+            <a:fillRect/>
+          </a:stretch>
+        </p:blipFill>
+        <p:spPr>
+          <a:xfrm>
+            <a:off x="1911560" y="1083212"/>
+            <a:ext cx="8368880" cy="5774788"/>
+          </a:xfrm>
+          <a:prstGeom prst="rect">
+            <a:avLst/>
+          </a:prstGeom>
+        </p:spPr>
+      </p:pic>
+      <p:sp>
+        <p:nvSpPr>
+          <p:cNvPr id="5" name="Título 4">
+            <a:extLst>
+              <a:ext uri="{FF2B5EF4-FFF2-40B4-BE49-F238E27FC236}">
+                <a16:creationId xmlns:a16="http://schemas.microsoft.com/office/drawing/2014/main" id="{842668B6-0F9C-09D9-AF9A-8A86728B0DAB}"/>
+              </a:ext>
+            </a:extLst>
+          </p:cNvPr>
+          <p:cNvSpPr>
+            <a:spLocks noGrp="1"/>
+          </p:cNvSpPr>
+          <p:nvPr>
+            <p:ph type="title"/>
+          </p:nvPr>
+        </p:nvSpPr>
+        <p:spPr>
+          <a:xfrm>
+            <a:off x="838200" y="1"/>
+            <a:ext cx="10515600" cy="1083212"/>
+          </a:xfrm>
+        </p:spPr>
+        <p:txBody>
+          <a:bodyPr>
+            <a:normAutofit fontScale="90000"/>
+          </a:bodyPr>
+          <a:lstStyle/>
+          <a:p>
+            <a:r>
+              <a:rPr lang="es-CO" dirty="0">
+                <a:latin typeface="Bahnschrift Light" panose="020B0502040204020203" pitchFamily="34" charset="0"/>
+              </a:rPr>
+              <a:t>Diagrama </a:t>
+            </a:r>
+            <a:r>
+              <a:rPr lang="es-CO" dirty="0" err="1">
+                <a:latin typeface="Bahnschrift Light" panose="020B0502040204020203" pitchFamily="34" charset="0"/>
+              </a:rPr>
+              <a:t>Post-proyecto</a:t>
+            </a:r>
+            <a:r>
+              <a:rPr lang="es-CO" dirty="0">
+                <a:latin typeface="Bahnschrift Light" panose="020B0502040204020203" pitchFamily="34" charset="0"/>
+              </a:rPr>
+              <a:t> generado con Idea</a:t>
+            </a:r>
+          </a:p>
+        </p:txBody>
+      </p:sp>
+    </p:spTree>
+    <p:extLst>
+      <p:ext uri="{BB962C8B-B14F-4D97-AF65-F5344CB8AC3E}">
+        <p14:creationId xmlns:p14="http://schemas.microsoft.com/office/powerpoint/2010/main" val="3628722989"/>
+      </p:ext>
+    </p:extLst>
+  </p:cSld>
+  <p:clrMapOvr>
+    <a:masterClrMapping/>
+  </p:clrMapOvr>
+</p:sld>
+</file>
+
+<file path=ppt/slides/slide5.xml><?xml version="1.0" encoding="utf-8"?>
+<p:sld xmlns:a="http://schemas.openxmlformats.org/drawingml/2006/main" xmlns:r="http://schemas.openxmlformats.org/officeDocument/2006/relationships" xmlns:p="http://schemas.openxmlformats.org/presentationml/2006/main">
+  <p:cSld>
+    <p:spTree>
+      <p:nvGrpSpPr>
+        <p:cNvPr id="1" name=""/>
+        <p:cNvGrpSpPr/>
+        <p:nvPr/>
+      </p:nvGrpSpPr>
+      <p:grpSpPr>
+        <a:xfrm>
+          <a:off x="0" y="0"/>
+          <a:ext cx="0" cy="0"/>
+          <a:chOff x="0" y="0"/>
+          <a:chExt cx="0" cy="0"/>
+        </a:xfrm>
+      </p:grpSpPr>
+      <p:pic>
+        <p:nvPicPr>
+          <p:cNvPr id="4" name="Imagen 3">
+            <a:extLst>
+              <a:ext uri="{FF2B5EF4-FFF2-40B4-BE49-F238E27FC236}">
                 <a16:creationId xmlns:a16="http://schemas.microsoft.com/office/drawing/2014/main" id="{57192F9C-6447-F00D-8CFD-2633A8DAC154}"/>
               </a:ext>
             </a:extLst>
@@ -4177,7 +4483,7 @@
 </p:sld>
 </file>
 
-<file path=ppt/slides/slide5.xml><?xml version="1.0" encoding="utf-8"?>
+<file path=ppt/slides/slide6.xml><?xml version="1.0" encoding="utf-8"?>
 <p:sld xmlns:a="http://schemas.openxmlformats.org/drawingml/2006/main" xmlns:r="http://schemas.openxmlformats.org/officeDocument/2006/relationships" xmlns:p="http://schemas.openxmlformats.org/presentationml/2006/main">
   <p:cSld>
     <p:spTree>
@@ -4351,7 +4657,7 @@
 </p:sld>
 </file>
 
-<file path=ppt/slides/slide6.xml><?xml version="1.0" encoding="utf-8"?>
+<file path=ppt/slides/slide7.xml><?xml version="1.0" encoding="utf-8"?>
 <p:sld xmlns:a="http://schemas.openxmlformats.org/drawingml/2006/main" xmlns:r="http://schemas.openxmlformats.org/officeDocument/2006/relationships" xmlns:p="http://schemas.openxmlformats.org/presentationml/2006/main">
   <p:cSld>
     <p:spTree>
@@ -4444,7 +4750,7 @@
 </p:sld>
 </file>
 
-<file path=ppt/slides/slide7.xml><?xml version="1.0" encoding="utf-8"?>
+<file path=ppt/slides/slide8.xml><?xml version="1.0" encoding="utf-8"?>
 <p:sld xmlns:a="http://schemas.openxmlformats.org/drawingml/2006/main" xmlns:r="http://schemas.openxmlformats.org/officeDocument/2006/relationships" xmlns:p="http://schemas.openxmlformats.org/presentationml/2006/main">
   <p:cSld>
     <p:spTree>
@@ -4548,7 +4854,7 @@
 </p:sld>
 </file>
 
-<file path=ppt/slides/slide8.xml><?xml version="1.0" encoding="utf-8"?>
+<file path=ppt/slides/slide9.xml><?xml version="1.0" encoding="utf-8"?>
 <p:sld xmlns:a="http://schemas.openxmlformats.org/drawingml/2006/main" xmlns:r="http://schemas.openxmlformats.org/officeDocument/2006/relationships" xmlns:p="http://schemas.openxmlformats.org/presentationml/2006/main">
   <p:cSld>
     <p:spTree>
@@ -4662,111 +4968,6 @@
     <p:extLst>
       <p:ext uri="{BB962C8B-B14F-4D97-AF65-F5344CB8AC3E}">
         <p14:creationId xmlns:p14="http://schemas.microsoft.com/office/powerpoint/2010/main" val="3629406483"/>
-      </p:ext>
-    </p:extLst>
-  </p:cSld>
-  <p:clrMapOvr>
-    <a:masterClrMapping/>
-  </p:clrMapOvr>
-</p:sld>
-</file>
-
-<file path=ppt/slides/slide9.xml><?xml version="1.0" encoding="utf-8"?>
-<p:sld xmlns:a="http://schemas.openxmlformats.org/drawingml/2006/main" xmlns:r="http://schemas.openxmlformats.org/officeDocument/2006/relationships" xmlns:p="http://schemas.openxmlformats.org/presentationml/2006/main">
-  <p:cSld>
-    <p:spTree>
-      <p:nvGrpSpPr>
-        <p:cNvPr id="1" name=""/>
-        <p:cNvGrpSpPr/>
-        <p:nvPr/>
-      </p:nvGrpSpPr>
-      <p:grpSpPr>
-        <a:xfrm>
-          <a:off x="0" y="0"/>
-          <a:ext cx="0" cy="0"/>
-          <a:chOff x="0" y="0"/>
-          <a:chExt cx="0" cy="0"/>
-        </a:xfrm>
-      </p:grpSpPr>
-      <p:sp>
-        <p:nvSpPr>
-          <p:cNvPr id="2" name="Título 1">
-            <a:extLst>
-              <a:ext uri="{FF2B5EF4-FFF2-40B4-BE49-F238E27FC236}">
-                <a16:creationId xmlns:a16="http://schemas.microsoft.com/office/drawing/2014/main" id="{F394247F-BD43-F309-239B-4F93F072FDE9}"/>
-              </a:ext>
-            </a:extLst>
-          </p:cNvPr>
-          <p:cNvSpPr>
-            <a:spLocks noGrp="1"/>
-          </p:cNvSpPr>
-          <p:nvPr>
-            <p:ph type="title"/>
-          </p:nvPr>
-        </p:nvSpPr>
-        <p:spPr/>
-        <p:txBody>
-          <a:bodyPr/>
-          <a:lstStyle/>
-          <a:p>
-            <a:r>
-              <a:rPr lang="es-CO" dirty="0" err="1">
-                <a:latin typeface="Bahnschrift Light" panose="020B0502040204020203" pitchFamily="34" charset="0"/>
-              </a:rPr>
-              <a:t>Javadoc</a:t>
-            </a:r>
-            <a:r>
-              <a:rPr lang="es-CO" dirty="0">
-                <a:latin typeface="Bahnschrift Light" panose="020B0502040204020203" pitchFamily="34" charset="0"/>
-              </a:rPr>
-              <a:t> de </a:t>
-            </a:r>
-            <a:r>
-              <a:rPr lang="es-CO" dirty="0" err="1">
-                <a:latin typeface="Bahnschrift Light" panose="020B0502040204020203" pitchFamily="34" charset="0"/>
-              </a:rPr>
-              <a:t>Java.util.Random</a:t>
-            </a:r>
-            <a:endParaRPr lang="es-CO" dirty="0">
-              <a:latin typeface="Bahnschrift Light" panose="020B0502040204020203" pitchFamily="34" charset="0"/>
-            </a:endParaRPr>
-          </a:p>
-        </p:txBody>
-      </p:sp>
-      <p:pic>
-        <p:nvPicPr>
-          <p:cNvPr id="4" name="Imagen 3">
-            <a:extLst>
-              <a:ext uri="{FF2B5EF4-FFF2-40B4-BE49-F238E27FC236}">
-                <a16:creationId xmlns:a16="http://schemas.microsoft.com/office/drawing/2014/main" id="{A76777F9-4DD2-69DC-A03B-8A3ABD939C88}"/>
-              </a:ext>
-            </a:extLst>
-          </p:cNvPr>
-          <p:cNvPicPr>
-            <a:picLocks noChangeAspect="1"/>
-          </p:cNvPicPr>
-          <p:nvPr/>
-        </p:nvPicPr>
-        <p:blipFill>
-          <a:blip r:embed="rId2"/>
-          <a:stretch>
-            <a:fillRect/>
-          </a:stretch>
-        </p:blipFill>
-        <p:spPr>
-          <a:xfrm>
-            <a:off x="202809" y="1451307"/>
-            <a:ext cx="11541016" cy="4386785"/>
-          </a:xfrm>
-          <a:prstGeom prst="rect">
-            <a:avLst/>
-          </a:prstGeom>
-        </p:spPr>
-      </p:pic>
-    </p:spTree>
-    <p:extLst>
-      <p:ext uri="{BB962C8B-B14F-4D97-AF65-F5344CB8AC3E}">
-        <p14:creationId xmlns:p14="http://schemas.microsoft.com/office/powerpoint/2010/main" val="3322656692"/>
       </p:ext>
     </p:extLst>
   </p:cSld>
